--- a/Transmission Loss Box/Presentation (Look Here)/Sound Pressure Distribution Measurements in an Acoustic Box.pptx
+++ b/Transmission Loss Box/Presentation (Look Here)/Sound Pressure Distribution Measurements in an Acoustic Box.pptx
@@ -133,12 +133,20 @@
 </p188:authorLst>
 </file>
 
+<file path=ppt/revisionInfo.xml><?xml version="1.0" encoding="utf-8"?>
+<p1510:revInfo xmlns:a="http://schemas.openxmlformats.org/drawingml/2006/main" xmlns:r="http://schemas.openxmlformats.org/officeDocument/2006/relationships" xmlns:p1510="http://schemas.microsoft.com/office/powerpoint/2015/10/main">
+  <p1510:revLst>
+    <p1510:client id="{C661E70D-08F5-4715-A0DF-A0E6093D1D01}" v="14" dt="2025-05-06T23:45:41.530"/>
+  </p1510:revLst>
+</p1510:revInfo>
+</file>
+
 <file path=ppt/changesInfos/changesInfo1.xml><?xml version="1.0" encoding="utf-8"?>
 <pc:chgInfo xmlns:a="http://schemas.openxmlformats.org/drawingml/2006/main" xmlns:r="http://schemas.openxmlformats.org/officeDocument/2006/relationships" xmlns:ac="http://schemas.microsoft.com/office/drawing/2013/main/command" xmlns:pc="http://schemas.microsoft.com/office/powerpoint/2013/main/command">
   <pc:docChgLst>
     <pc:chgData name="Todd McKenzie" userId="e445b2bb5825c1d8" providerId="LiveId" clId="{C661E70D-08F5-4715-A0DF-A0E6093D1D01}"/>
-    <pc:docChg chg="modSld">
-      <pc:chgData name="Todd McKenzie" userId="e445b2bb5825c1d8" providerId="LiveId" clId="{C661E70D-08F5-4715-A0DF-A0E6093D1D01}" dt="2025-05-06T22:47:33.488" v="51" actId="20577"/>
+    <pc:docChg chg="undo custSel modSld">
+      <pc:chgData name="Todd McKenzie" userId="e445b2bb5825c1d8" providerId="LiveId" clId="{C661E70D-08F5-4715-A0DF-A0E6093D1D01}" dt="2025-05-06T23:46:03.733" v="127" actId="1076"/>
       <pc:docMkLst>
         <pc:docMk/>
       </pc:docMkLst>
@@ -156,6 +164,133 @@
             <ac:spMk id="6" creationId="{FDC4E8D5-75BB-8ECD-C692-C800C97CF1EB}"/>
           </ac:spMkLst>
         </pc:spChg>
+      </pc:sldChg>
+      <pc:sldChg chg="addSp delSp modSp mod modClrScheme chgLayout">
+        <pc:chgData name="Todd McKenzie" userId="e445b2bb5825c1d8" providerId="LiveId" clId="{C661E70D-08F5-4715-A0DF-A0E6093D1D01}" dt="2025-05-06T23:46:03.733" v="127" actId="1076"/>
+        <pc:sldMkLst>
+          <pc:docMk/>
+          <pc:sldMk cId="3853043582" sldId="287"/>
+        </pc:sldMkLst>
+        <pc:spChg chg="mod">
+          <ac:chgData name="Todd McKenzie" userId="e445b2bb5825c1d8" providerId="LiveId" clId="{C661E70D-08F5-4715-A0DF-A0E6093D1D01}" dt="2025-05-06T23:45:13.458" v="94" actId="26606"/>
+          <ac:spMkLst>
+            <pc:docMk/>
+            <pc:sldMk cId="3853043582" sldId="287"/>
+            <ac:spMk id="2" creationId="{8BCD87E2-4FCA-F7C1-542E-30C2FD7F6F7E}"/>
+          </ac:spMkLst>
+        </pc:spChg>
+        <pc:spChg chg="mod">
+          <ac:chgData name="Todd McKenzie" userId="e445b2bb5825c1d8" providerId="LiveId" clId="{C661E70D-08F5-4715-A0DF-A0E6093D1D01}" dt="2025-05-06T23:45:19.013" v="115" actId="20577"/>
+          <ac:spMkLst>
+            <pc:docMk/>
+            <pc:sldMk cId="3853043582" sldId="287"/>
+            <ac:spMk id="3" creationId="{27A0C609-106E-030F-FB91-E5C21640EDA5}"/>
+          </ac:spMkLst>
+        </pc:spChg>
+        <pc:picChg chg="del">
+          <ac:chgData name="Todd McKenzie" userId="e445b2bb5825c1d8" providerId="LiveId" clId="{C661E70D-08F5-4715-A0DF-A0E6093D1D01}" dt="2025-05-06T23:43:09.984" v="52" actId="478"/>
+          <ac:picMkLst>
+            <pc:docMk/>
+            <pc:sldMk cId="3853043582" sldId="287"/>
+            <ac:picMk id="5" creationId="{A6822FC9-F2A7-4C94-9C65-1EA64A4B147B}"/>
+          </ac:picMkLst>
+        </pc:picChg>
+        <pc:picChg chg="add mod">
+          <ac:chgData name="Todd McKenzie" userId="e445b2bb5825c1d8" providerId="LiveId" clId="{C661E70D-08F5-4715-A0DF-A0E6093D1D01}" dt="2025-05-06T23:43:40.133" v="61" actId="931"/>
+          <ac:picMkLst>
+            <pc:docMk/>
+            <pc:sldMk cId="3853043582" sldId="287"/>
+            <ac:picMk id="6" creationId="{9E743F52-4447-1AF1-287F-08A8C508A4B8}"/>
+          </ac:picMkLst>
+        </pc:picChg>
+        <pc:picChg chg="add mod">
+          <ac:chgData name="Todd McKenzie" userId="e445b2bb5825c1d8" providerId="LiveId" clId="{C661E70D-08F5-4715-A0DF-A0E6093D1D01}" dt="2025-05-06T23:43:40.133" v="61" actId="931"/>
+          <ac:picMkLst>
+            <pc:docMk/>
+            <pc:sldMk cId="3853043582" sldId="287"/>
+            <ac:picMk id="8" creationId="{3C68DD63-5F4C-8829-3837-AF7ED86E8BB7}"/>
+          </ac:picMkLst>
+        </pc:picChg>
+        <pc:picChg chg="add mod">
+          <ac:chgData name="Todd McKenzie" userId="e445b2bb5825c1d8" providerId="LiveId" clId="{C661E70D-08F5-4715-A0DF-A0E6093D1D01}" dt="2025-05-06T23:43:40.133" v="61" actId="931"/>
+          <ac:picMkLst>
+            <pc:docMk/>
+            <pc:sldMk cId="3853043582" sldId="287"/>
+            <ac:picMk id="10" creationId="{5488B4E9-CCC3-4831-F5B3-138A314E6CA2}"/>
+          </ac:picMkLst>
+        </pc:picChg>
+        <pc:picChg chg="add del mod">
+          <ac:chgData name="Todd McKenzie" userId="e445b2bb5825c1d8" providerId="LiveId" clId="{C661E70D-08F5-4715-A0DF-A0E6093D1D01}" dt="2025-05-06T23:45:18.648" v="114" actId="931"/>
+          <ac:picMkLst>
+            <pc:docMk/>
+            <pc:sldMk cId="3853043582" sldId="287"/>
+            <ac:picMk id="12" creationId="{742D241E-4E41-BC7A-E649-F02A9A2C848E}"/>
+          </ac:picMkLst>
+        </pc:picChg>
+        <pc:picChg chg="add del mod">
+          <ac:chgData name="Todd McKenzie" userId="e445b2bb5825c1d8" providerId="LiveId" clId="{C661E70D-08F5-4715-A0DF-A0E6093D1D01}" dt="2025-05-06T23:45:18.648" v="114" actId="931"/>
+          <ac:picMkLst>
+            <pc:docMk/>
+            <pc:sldMk cId="3853043582" sldId="287"/>
+            <ac:picMk id="14" creationId="{383B141A-4609-35E1-7BC7-993719974C71}"/>
+          </ac:picMkLst>
+        </pc:picChg>
+        <pc:picChg chg="add del mod">
+          <ac:chgData name="Todd McKenzie" userId="e445b2bb5825c1d8" providerId="LiveId" clId="{C661E70D-08F5-4715-A0DF-A0E6093D1D01}" dt="2025-05-06T23:45:18.648" v="114" actId="931"/>
+          <ac:picMkLst>
+            <pc:docMk/>
+            <pc:sldMk cId="3853043582" sldId="287"/>
+            <ac:picMk id="16" creationId="{D1B4D271-3294-A50E-D7F1-873327070E7B}"/>
+          </ac:picMkLst>
+        </pc:picChg>
+        <pc:picChg chg="add del mod">
+          <ac:chgData name="Todd McKenzie" userId="e445b2bb5825c1d8" providerId="LiveId" clId="{C661E70D-08F5-4715-A0DF-A0E6093D1D01}" dt="2025-05-06T23:45:17.127" v="108" actId="931"/>
+          <ac:picMkLst>
+            <pc:docMk/>
+            <pc:sldMk cId="3853043582" sldId="287"/>
+            <ac:picMk id="18" creationId="{5AD8D1F8-9A7B-E18D-1C36-4CD13F217C3A}"/>
+          </ac:picMkLst>
+        </pc:picChg>
+        <pc:picChg chg="add del mod">
+          <ac:chgData name="Todd McKenzie" userId="e445b2bb5825c1d8" providerId="LiveId" clId="{C661E70D-08F5-4715-A0DF-A0E6093D1D01}" dt="2025-05-06T23:45:15.840" v="103" actId="931"/>
+          <ac:picMkLst>
+            <pc:docMk/>
+            <pc:sldMk cId="3853043582" sldId="287"/>
+            <ac:picMk id="20" creationId="{F210390F-3897-BC7F-4A06-D9A8092863B0}"/>
+          </ac:picMkLst>
+        </pc:picChg>
+        <pc:picChg chg="add del mod">
+          <ac:chgData name="Todd McKenzie" userId="e445b2bb5825c1d8" providerId="LiveId" clId="{C661E70D-08F5-4715-A0DF-A0E6093D1D01}" dt="2025-05-06T23:45:15.549" v="101" actId="931"/>
+          <ac:picMkLst>
+            <pc:docMk/>
+            <pc:sldMk cId="3853043582" sldId="287"/>
+            <ac:picMk id="22" creationId="{C6B5621E-B676-7BD6-DCBF-FC309416A0F7}"/>
+          </ac:picMkLst>
+        </pc:picChg>
+        <pc:picChg chg="add mod">
+          <ac:chgData name="Todd McKenzie" userId="e445b2bb5825c1d8" providerId="LiveId" clId="{C661E70D-08F5-4715-A0DF-A0E6093D1D01}" dt="2025-05-06T23:45:14.770" v="98" actId="931"/>
+          <ac:picMkLst>
+            <pc:docMk/>
+            <pc:sldMk cId="3853043582" sldId="287"/>
+            <ac:picMk id="24" creationId="{D3441119-4485-D0EC-1794-B3F7B7E991CF}"/>
+          </ac:picMkLst>
+        </pc:picChg>
+        <pc:picChg chg="add del mod">
+          <ac:chgData name="Todd McKenzie" userId="e445b2bb5825c1d8" providerId="LiveId" clId="{C661E70D-08F5-4715-A0DF-A0E6093D1D01}" dt="2025-05-06T23:45:30.571" v="119" actId="478"/>
+          <ac:picMkLst>
+            <pc:docMk/>
+            <pc:sldMk cId="3853043582" sldId="287"/>
+            <ac:picMk id="26" creationId="{C085E276-29C6-D73B-AACA-07B17E0EF15E}"/>
+          </ac:picMkLst>
+        </pc:picChg>
+        <pc:picChg chg="add mod">
+          <ac:chgData name="Todd McKenzie" userId="e445b2bb5825c1d8" providerId="LiveId" clId="{C661E70D-08F5-4715-A0DF-A0E6093D1D01}" dt="2025-05-06T23:46:03.733" v="127" actId="1076"/>
+          <ac:picMkLst>
+            <pc:docMk/>
+            <pc:sldMk cId="3853043582" sldId="287"/>
+            <ac:picMk id="28" creationId="{11656F7E-902C-596B-D630-A0D146DEC3DF}"/>
+          </ac:picMkLst>
+        </pc:picChg>
       </pc:sldChg>
       <pc:sldChg chg="modSp mod">
         <pc:chgData name="Todd McKenzie" userId="e445b2bb5825c1d8" providerId="LiveId" clId="{C661E70D-08F5-4715-A0DF-A0E6093D1D01}" dt="2025-05-06T22:46:30.235" v="5" actId="20577"/>
@@ -5840,10 +5975,10 @@
       </p:sp>
       <p:pic>
         <p:nvPicPr>
-          <p:cNvPr id="5" name="Content Placeholder 10" descr="A computer generated image of a satellite&#10;&#10;AI-generated content may be incorrect.">
-            <a:extLst>
-              <a:ext uri="{FF2B5EF4-FFF2-40B4-BE49-F238E27FC236}">
-                <a16:creationId xmlns:a16="http://schemas.microsoft.com/office/drawing/2014/main" id="{A6822FC9-F2A7-4C94-9C65-1EA64A4B147B}"/>
+          <p:cNvPr id="28" name="Picture 27" descr="A microphones and cables in a room&#10;&#10;AI-generated content may be incorrect.">
+            <a:extLst>
+              <a:ext uri="{FF2B5EF4-FFF2-40B4-BE49-F238E27FC236}">
+                <a16:creationId xmlns:a16="http://schemas.microsoft.com/office/drawing/2014/main" id="{11656F7E-902C-596B-D630-A0D146DEC3DF}"/>
               </a:ext>
             </a:extLst>
           </p:cNvPr>
@@ -5860,18 +5995,18 @@
               </a:ext>
             </a:extLst>
           </a:blip>
-          <a:srcRect l="1133" r="28025" b="-1"/>
-          <a:stretch/>
+          <a:stretch>
+            <a:fillRect/>
+          </a:stretch>
         </p:blipFill>
         <p:spPr>
           <a:xfrm>
-            <a:off x="6500739" y="1931191"/>
-            <a:ext cx="5134335" cy="4113054"/>
+            <a:off x="6688111" y="1995570"/>
+            <a:ext cx="4921771" cy="3691329"/>
           </a:xfrm>
           <a:prstGeom prst="rect">
             <a:avLst/>
           </a:prstGeom>
-          <a:noFill/>
         </p:spPr>
       </p:pic>
     </p:spTree>
@@ -6996,6 +7131,35 @@
 </file>
 
 <file path=customXml/item1.xml><?xml version="1.0" encoding="utf-8"?>
+<p:properties xmlns:p="http://schemas.microsoft.com/office/2006/metadata/properties" xmlns:xsi="http://www.w3.org/2001/XMLSchema-instance" xmlns:pc="http://schemas.microsoft.com/office/infopath/2007/PartnerControls">
+  <documentManagement>
+    <_ip_UnifiedCompliancePolicyUIAction xmlns="http://schemas.microsoft.com/sharepoint/v3" xsi:nil="true"/>
+    <Image xmlns="71af3243-3dd4-4a8d-8c0d-dd76da1f02a5">
+      <Url xsi:nil="true"/>
+      <Description xsi:nil="true"/>
+    </Image>
+    <Status xmlns="71af3243-3dd4-4a8d-8c0d-dd76da1f02a5">Not started</Status>
+    <Background xmlns="71af3243-3dd4-4a8d-8c0d-dd76da1f02a5">false</Background>
+    <_ip_UnifiedCompliancePolicyProperties xmlns="http://schemas.microsoft.com/sharepoint/v3" xsi:nil="true"/>
+    <ImageTagsTaxHTField xmlns="71af3243-3dd4-4a8d-8c0d-dd76da1f02a5">
+      <Terms xmlns="http://schemas.microsoft.com/office/infopath/2007/PartnerControls"/>
+    </ImageTagsTaxHTField>
+    <TaxCatchAll xmlns="230e9df3-be65-4c73-a93b-d1236ebd677e" xsi:nil="true"/>
+    <MediaServiceKeyPoints xmlns="71af3243-3dd4-4a8d-8c0d-dd76da1f02a5" xsi:nil="true"/>
+  </documentManagement>
+</p:properties>
+</file>
+
+<file path=customXml/item2.xml><?xml version="1.0" encoding="utf-8"?>
+<?mso-contentType ?>
+<FormTemplates xmlns="http://schemas.microsoft.com/sharepoint/v3/contenttype/forms">
+  <Display>DocumentLibraryForm</Display>
+  <Edit>DocumentLibraryForm</Edit>
+  <New>DocumentLibraryForm</New>
+</FormTemplates>
+</file>
+
+<file path=customXml/item3.xml><?xml version="1.0" encoding="utf-8"?>
 <ct:contentTypeSchema xmlns:ct="http://schemas.microsoft.com/office/2006/metadata/contentType" xmlns:ma="http://schemas.microsoft.com/office/2006/metadata/properties/metaAttributes" ct:_="" ma:_="" ma:contentTypeName="Document" ma:contentTypeID="0x01010079F111ED35F8CC479449609E8A0923A6" ma:contentTypeVersion="28" ma:contentTypeDescription="Create a new document." ma:contentTypeScope="" ma:versionID="60f5a4f2d2b0abadcf532d48ebf9cb71">
   <xsd:schema xmlns:xsd="http://www.w3.org/2001/XMLSchema" xmlns:xs="http://www.w3.org/2001/XMLSchema" xmlns:p="http://schemas.microsoft.com/office/2006/metadata/properties" xmlns:ns1="http://schemas.microsoft.com/sharepoint/v3" xmlns:ns2="71af3243-3dd4-4a8d-8c0d-dd76da1f02a5" xmlns:ns3="16c05727-aa75-4e4a-9b5f-8a80a1165891" xmlns:ns4="230e9df3-be65-4c73-a93b-d1236ebd677e" targetNamespace="http://schemas.microsoft.com/office/2006/metadata/properties" ma:root="true" ma:fieldsID="7dd78129e6a1811f84807ad11c651531" ns1:_="" ns2:_="" ns3:_="" ns4:_="">
     <xsd:import namespace="http://schemas.microsoft.com/sharepoint/v3"/>
@@ -7307,36 +7471,27 @@
 </ct:contentTypeSchema>
 </file>
 
-<file path=customXml/item2.xml><?xml version="1.0" encoding="utf-8"?>
-<?mso-contentType ?>
-<FormTemplates xmlns="http://schemas.microsoft.com/sharepoint/v3/contenttype/forms">
-  <Display>DocumentLibraryForm</Display>
-  <Edit>DocumentLibraryForm</Edit>
-  <New>DocumentLibraryForm</New>
-</FormTemplates>
+<file path=customXml/itemProps1.xml><?xml version="1.0" encoding="utf-8"?>
+<ds:datastoreItem xmlns:ds="http://schemas.openxmlformats.org/officeDocument/2006/customXml" ds:itemID="{85C2645A-E767-4D7E-984D-234E531E4556}">
+  <ds:schemaRefs>
+    <ds:schemaRef ds:uri="http://schemas.microsoft.com/office/2006/metadata/properties"/>
+    <ds:schemaRef ds:uri="http://schemas.microsoft.com/office/infopath/2007/PartnerControls"/>
+    <ds:schemaRef ds:uri="http://schemas.microsoft.com/sharepoint/v3"/>
+    <ds:schemaRef ds:uri="71af3243-3dd4-4a8d-8c0d-dd76da1f02a5"/>
+    <ds:schemaRef ds:uri="230e9df3-be65-4c73-a93b-d1236ebd677e"/>
+  </ds:schemaRefs>
+</ds:datastoreItem>
 </file>
 
-<file path=customXml/item3.xml><?xml version="1.0" encoding="utf-8"?>
-<p:properties xmlns:p="http://schemas.microsoft.com/office/2006/metadata/properties" xmlns:xsi="http://www.w3.org/2001/XMLSchema-instance" xmlns:pc="http://schemas.microsoft.com/office/infopath/2007/PartnerControls">
-  <documentManagement>
-    <_ip_UnifiedCompliancePolicyUIAction xmlns="http://schemas.microsoft.com/sharepoint/v3" xsi:nil="true"/>
-    <Image xmlns="71af3243-3dd4-4a8d-8c0d-dd76da1f02a5">
-      <Url xsi:nil="true"/>
-      <Description xsi:nil="true"/>
-    </Image>
-    <Status xmlns="71af3243-3dd4-4a8d-8c0d-dd76da1f02a5">Not started</Status>
-    <Background xmlns="71af3243-3dd4-4a8d-8c0d-dd76da1f02a5">false</Background>
-    <_ip_UnifiedCompliancePolicyProperties xmlns="http://schemas.microsoft.com/sharepoint/v3" xsi:nil="true"/>
-    <ImageTagsTaxHTField xmlns="71af3243-3dd4-4a8d-8c0d-dd76da1f02a5">
-      <Terms xmlns="http://schemas.microsoft.com/office/infopath/2007/PartnerControls"/>
-    </ImageTagsTaxHTField>
-    <TaxCatchAll xmlns="230e9df3-be65-4c73-a93b-d1236ebd677e" xsi:nil="true"/>
-    <MediaServiceKeyPoints xmlns="71af3243-3dd4-4a8d-8c0d-dd76da1f02a5" xsi:nil="true"/>
-  </documentManagement>
-</p:properties>
+<file path=customXml/itemProps2.xml><?xml version="1.0" encoding="utf-8"?>
+<ds:datastoreItem xmlns:ds="http://schemas.openxmlformats.org/officeDocument/2006/customXml" ds:itemID="{0F048343-1EA9-44C3-883E-652FAAF0713E}">
+  <ds:schemaRefs>
+    <ds:schemaRef ds:uri="http://schemas.microsoft.com/sharepoint/v3/contenttype/forms"/>
+  </ds:schemaRefs>
+</ds:datastoreItem>
 </file>
 
-<file path=customXml/itemProps1.xml><?xml version="1.0" encoding="utf-8"?>
+<file path=customXml/itemProps3.xml><?xml version="1.0" encoding="utf-8"?>
 <ds:datastoreItem xmlns:ds="http://schemas.openxmlformats.org/officeDocument/2006/customXml" ds:itemID="{5F2A2379-DD35-4769-BFD6-4857D72F808A}">
   <ds:schemaRefs>
     <ds:schemaRef ds:uri="http://schemas.microsoft.com/office/2006/metadata/contentType"/>
@@ -7357,26 +7512,6 @@
 </ds:datastoreItem>
 </file>
 
-<file path=customXml/itemProps2.xml><?xml version="1.0" encoding="utf-8"?>
-<ds:datastoreItem xmlns:ds="http://schemas.openxmlformats.org/officeDocument/2006/customXml" ds:itemID="{0F048343-1EA9-44C3-883E-652FAAF0713E}">
-  <ds:schemaRefs>
-    <ds:schemaRef ds:uri="http://schemas.microsoft.com/sharepoint/v3/contenttype/forms"/>
-  </ds:schemaRefs>
-</ds:datastoreItem>
-</file>
-
-<file path=customXml/itemProps3.xml><?xml version="1.0" encoding="utf-8"?>
-<ds:datastoreItem xmlns:ds="http://schemas.openxmlformats.org/officeDocument/2006/customXml" ds:itemID="{85C2645A-E767-4D7E-984D-234E531E4556}">
-  <ds:schemaRefs>
-    <ds:schemaRef ds:uri="http://schemas.microsoft.com/office/2006/metadata/properties"/>
-    <ds:schemaRef ds:uri="http://schemas.microsoft.com/office/infopath/2007/PartnerControls"/>
-    <ds:schemaRef ds:uri="http://schemas.microsoft.com/sharepoint/v3"/>
-    <ds:schemaRef ds:uri="71af3243-3dd4-4a8d-8c0d-dd76da1f02a5"/>
-    <ds:schemaRef ds:uri="230e9df3-be65-4c73-a93b-d1236ebd677e"/>
-  </ds:schemaRefs>
-</ds:datastoreItem>
-</file>
-
 <file path=docMetadata/LabelInfo.xml><?xml version="1.0" encoding="utf-8"?>
 <clbl:labelList xmlns:clbl="http://schemas.microsoft.com/office/2020/mipLabelMetadata"/>
 </file>